--- a/docs/report_1.pptx
+++ b/docs/report_1.pptx
@@ -110,6 +110,11 @@
       </a:defRPr>
     </a:lvl9pPr>
   </p:defaultTextStyle>
+  <p:extLst>
+    <p:ext uri="{EFAFB233-063F-42B5-8137-9DF3F51BA10A}">
+      <p15:sldGuideLst xmlns:p15="http://schemas.microsoft.com/office/powerpoint/2012/main"/>
+    </p:ext>
+  </p:extLst>
 </p:presentation>
 </file>
 
@@ -260,7 +265,7 @@
           <a:p>
             <a:fld id="{27AC0FE6-3AAD-4CFB-9BF9-33E3F76B5C5C}" type="datetimeFigureOut">
               <a:rPr lang="zh-CN" altLang="en-US" smtClean="0"/>
-              <a:t>2021/11/4</a:t>
+              <a:t>2021/11/5</a:t>
             </a:fld>
             <a:endParaRPr lang="zh-CN" altLang="en-US"/>
           </a:p>
@@ -458,7 +463,7 @@
           <a:p>
             <a:fld id="{27AC0FE6-3AAD-4CFB-9BF9-33E3F76B5C5C}" type="datetimeFigureOut">
               <a:rPr lang="zh-CN" altLang="en-US" smtClean="0"/>
-              <a:t>2021/11/4</a:t>
+              <a:t>2021/11/5</a:t>
             </a:fld>
             <a:endParaRPr lang="zh-CN" altLang="en-US"/>
           </a:p>
@@ -666,7 +671,7 @@
           <a:p>
             <a:fld id="{27AC0FE6-3AAD-4CFB-9BF9-33E3F76B5C5C}" type="datetimeFigureOut">
               <a:rPr lang="zh-CN" altLang="en-US" smtClean="0"/>
-              <a:t>2021/11/4</a:t>
+              <a:t>2021/11/5</a:t>
             </a:fld>
             <a:endParaRPr lang="zh-CN" altLang="en-US"/>
           </a:p>
@@ -864,7 +869,7 @@
           <a:p>
             <a:fld id="{27AC0FE6-3AAD-4CFB-9BF9-33E3F76B5C5C}" type="datetimeFigureOut">
               <a:rPr lang="zh-CN" altLang="en-US" smtClean="0"/>
-              <a:t>2021/11/4</a:t>
+              <a:t>2021/11/5</a:t>
             </a:fld>
             <a:endParaRPr lang="zh-CN" altLang="en-US"/>
           </a:p>
@@ -1139,7 +1144,7 @@
           <a:p>
             <a:fld id="{27AC0FE6-3AAD-4CFB-9BF9-33E3F76B5C5C}" type="datetimeFigureOut">
               <a:rPr lang="zh-CN" altLang="en-US" smtClean="0"/>
-              <a:t>2021/11/4</a:t>
+              <a:t>2021/11/5</a:t>
             </a:fld>
             <a:endParaRPr lang="zh-CN" altLang="en-US"/>
           </a:p>
@@ -1404,7 +1409,7 @@
           <a:p>
             <a:fld id="{27AC0FE6-3AAD-4CFB-9BF9-33E3F76B5C5C}" type="datetimeFigureOut">
               <a:rPr lang="zh-CN" altLang="en-US" smtClean="0"/>
-              <a:t>2021/11/4</a:t>
+              <a:t>2021/11/5</a:t>
             </a:fld>
             <a:endParaRPr lang="zh-CN" altLang="en-US"/>
           </a:p>
@@ -1816,7 +1821,7 @@
           <a:p>
             <a:fld id="{27AC0FE6-3AAD-4CFB-9BF9-33E3F76B5C5C}" type="datetimeFigureOut">
               <a:rPr lang="zh-CN" altLang="en-US" smtClean="0"/>
-              <a:t>2021/11/4</a:t>
+              <a:t>2021/11/5</a:t>
             </a:fld>
             <a:endParaRPr lang="zh-CN" altLang="en-US"/>
           </a:p>
@@ -1957,7 +1962,7 @@
           <a:p>
             <a:fld id="{27AC0FE6-3AAD-4CFB-9BF9-33E3F76B5C5C}" type="datetimeFigureOut">
               <a:rPr lang="zh-CN" altLang="en-US" smtClean="0"/>
-              <a:t>2021/11/4</a:t>
+              <a:t>2021/11/5</a:t>
             </a:fld>
             <a:endParaRPr lang="zh-CN" altLang="en-US"/>
           </a:p>
@@ -2070,7 +2075,7 @@
           <a:p>
             <a:fld id="{27AC0FE6-3AAD-4CFB-9BF9-33E3F76B5C5C}" type="datetimeFigureOut">
               <a:rPr lang="zh-CN" altLang="en-US" smtClean="0"/>
-              <a:t>2021/11/4</a:t>
+              <a:t>2021/11/5</a:t>
             </a:fld>
             <a:endParaRPr lang="zh-CN" altLang="en-US"/>
           </a:p>
@@ -2381,7 +2386,7 @@
           <a:p>
             <a:fld id="{27AC0FE6-3AAD-4CFB-9BF9-33E3F76B5C5C}" type="datetimeFigureOut">
               <a:rPr lang="zh-CN" altLang="en-US" smtClean="0"/>
-              <a:t>2021/11/4</a:t>
+              <a:t>2021/11/5</a:t>
             </a:fld>
             <a:endParaRPr lang="zh-CN" altLang="en-US"/>
           </a:p>
@@ -2669,7 +2674,7 @@
           <a:p>
             <a:fld id="{27AC0FE6-3AAD-4CFB-9BF9-33E3F76B5C5C}" type="datetimeFigureOut">
               <a:rPr lang="zh-CN" altLang="en-US" smtClean="0"/>
-              <a:t>2021/11/4</a:t>
+              <a:t>2021/11/5</a:t>
             </a:fld>
             <a:endParaRPr lang="zh-CN" altLang="en-US"/>
           </a:p>
@@ -2910,7 +2915,7 @@
           <a:p>
             <a:fld id="{27AC0FE6-3AAD-4CFB-9BF9-33E3F76B5C5C}" type="datetimeFigureOut">
               <a:rPr lang="zh-CN" altLang="en-US" smtClean="0"/>
-              <a:t>2021/11/4</a:t>
+              <a:t>2021/11/5</a:t>
             </a:fld>
             <a:endParaRPr lang="zh-CN" altLang="en-US"/>
           </a:p>
@@ -4574,6 +4579,41 @@
           </a:p>
         </p:txBody>
       </p:sp>
+      <p:pic>
+        <p:nvPicPr>
+          <p:cNvPr id="3" name="图片 2" descr="图示, 示意图&#10;&#10;描述已自动生成">
+            <a:extLst>
+              <a:ext uri="{FF2B5EF4-FFF2-40B4-BE49-F238E27FC236}">
+                <a16:creationId xmlns:a16="http://schemas.microsoft.com/office/drawing/2014/main" id="{0D4115D0-3C42-1448-A5F4-BBCA9827040D}"/>
+              </a:ext>
+            </a:extLst>
+          </p:cNvPr>
+          <p:cNvPicPr>
+            <a:picLocks noChangeAspect="1"/>
+          </p:cNvPicPr>
+          <p:nvPr/>
+        </p:nvPicPr>
+        <p:blipFill rotWithShape="1">
+          <a:blip r:embed="rId2">
+            <a:extLst>
+              <a:ext uri="{28A0092B-C50C-407E-A947-70E740481C1C}">
+                <a14:useLocalDpi xmlns:a14="http://schemas.microsoft.com/office/drawing/2010/main" val="0"/>
+              </a:ext>
+            </a:extLst>
+          </a:blip>
+          <a:srcRect b="711"/>
+          <a:stretch/>
+        </p:blipFill>
+        <p:spPr>
+          <a:xfrm>
+            <a:off x="1056289" y="1095891"/>
+            <a:ext cx="10079421" cy="5629372"/>
+          </a:xfrm>
+          <a:prstGeom prst="rect">
+            <a:avLst/>
+          </a:prstGeom>
+        </p:spPr>
+      </p:pic>
     </p:spTree>
     <p:extLst>
       <p:ext uri="{BB962C8B-B14F-4D97-AF65-F5344CB8AC3E}">
